--- a/Results/Covasim_Analysis_P3.pptx
+++ b/Results/Covasim_Analysis_P3.pptx
@@ -14,13 +14,12 @@
     <p:sldId id="261" r:id="rId8"/>
     <p:sldId id="262" r:id="rId9"/>
     <p:sldId id="263" r:id="rId10"/>
-    <p:sldId id="271" r:id="rId11"/>
-    <p:sldId id="270" r:id="rId12"/>
-    <p:sldId id="273" r:id="rId13"/>
-    <p:sldId id="268" r:id="rId14"/>
-    <p:sldId id="269" r:id="rId15"/>
-    <p:sldId id="275" r:id="rId16"/>
-    <p:sldId id="260" r:id="rId17"/>
+    <p:sldId id="260" r:id="rId11"/>
+    <p:sldId id="271" r:id="rId12"/>
+    <p:sldId id="270" r:id="rId13"/>
+    <p:sldId id="273" r:id="rId14"/>
+    <p:sldId id="268" r:id="rId15"/>
+    <p:sldId id="269" r:id="rId16"/>
   </p:sldIdLst>
   <p:sldSz cx="12192000" cy="6858000"/>
   <p:notesSz cx="6858000" cy="9144000"/>
@@ -274,7 +273,7 @@
           <a:p>
             <a:fld id="{03B80F5F-71D3-DC4F-B1A5-29D48719CDC0}" type="datetimeFigureOut">
               <a:rPr lang="en-US" smtClean="0"/>
-              <a:t>1/18/21</a:t>
+              <a:t>1/19/21</a:t>
             </a:fld>
             <a:endParaRPr lang="en-US"/>
           </a:p>
@@ -472,7 +471,7 @@
           <a:p>
             <a:fld id="{03B80F5F-71D3-DC4F-B1A5-29D48719CDC0}" type="datetimeFigureOut">
               <a:rPr lang="en-US" smtClean="0"/>
-              <a:t>1/18/21</a:t>
+              <a:t>1/19/21</a:t>
             </a:fld>
             <a:endParaRPr lang="en-US"/>
           </a:p>
@@ -680,7 +679,7 @@
           <a:p>
             <a:fld id="{03B80F5F-71D3-DC4F-B1A5-29D48719CDC0}" type="datetimeFigureOut">
               <a:rPr lang="en-US" smtClean="0"/>
-              <a:t>1/18/21</a:t>
+              <a:t>1/19/21</a:t>
             </a:fld>
             <a:endParaRPr lang="en-US"/>
           </a:p>
@@ -878,7 +877,7 @@
           <a:p>
             <a:fld id="{03B80F5F-71D3-DC4F-B1A5-29D48719CDC0}" type="datetimeFigureOut">
               <a:rPr lang="en-US" smtClean="0"/>
-              <a:t>1/18/21</a:t>
+              <a:t>1/19/21</a:t>
             </a:fld>
             <a:endParaRPr lang="en-US"/>
           </a:p>
@@ -1153,7 +1152,7 @@
           <a:p>
             <a:fld id="{03B80F5F-71D3-DC4F-B1A5-29D48719CDC0}" type="datetimeFigureOut">
               <a:rPr lang="en-US" smtClean="0"/>
-              <a:t>1/18/21</a:t>
+              <a:t>1/19/21</a:t>
             </a:fld>
             <a:endParaRPr lang="en-US"/>
           </a:p>
@@ -1418,7 +1417,7 @@
           <a:p>
             <a:fld id="{03B80F5F-71D3-DC4F-B1A5-29D48719CDC0}" type="datetimeFigureOut">
               <a:rPr lang="en-US" smtClean="0"/>
-              <a:t>1/18/21</a:t>
+              <a:t>1/19/21</a:t>
             </a:fld>
             <a:endParaRPr lang="en-US"/>
           </a:p>
@@ -1830,7 +1829,7 @@
           <a:p>
             <a:fld id="{03B80F5F-71D3-DC4F-B1A5-29D48719CDC0}" type="datetimeFigureOut">
               <a:rPr lang="en-US" smtClean="0"/>
-              <a:t>1/18/21</a:t>
+              <a:t>1/19/21</a:t>
             </a:fld>
             <a:endParaRPr lang="en-US"/>
           </a:p>
@@ -1971,7 +1970,7 @@
           <a:p>
             <a:fld id="{03B80F5F-71D3-DC4F-B1A5-29D48719CDC0}" type="datetimeFigureOut">
               <a:rPr lang="en-US" smtClean="0"/>
-              <a:t>1/18/21</a:t>
+              <a:t>1/19/21</a:t>
             </a:fld>
             <a:endParaRPr lang="en-US"/>
           </a:p>
@@ -2084,7 +2083,7 @@
           <a:p>
             <a:fld id="{03B80F5F-71D3-DC4F-B1A5-29D48719CDC0}" type="datetimeFigureOut">
               <a:rPr lang="en-US" smtClean="0"/>
-              <a:t>1/18/21</a:t>
+              <a:t>1/19/21</a:t>
             </a:fld>
             <a:endParaRPr lang="en-US"/>
           </a:p>
@@ -2395,7 +2394,7 @@
           <a:p>
             <a:fld id="{03B80F5F-71D3-DC4F-B1A5-29D48719CDC0}" type="datetimeFigureOut">
               <a:rPr lang="en-US" smtClean="0"/>
-              <a:t>1/18/21</a:t>
+              <a:t>1/19/21</a:t>
             </a:fld>
             <a:endParaRPr lang="en-US"/>
           </a:p>
@@ -2683,7 +2682,7 @@
           <a:p>
             <a:fld id="{03B80F5F-71D3-DC4F-B1A5-29D48719CDC0}" type="datetimeFigureOut">
               <a:rPr lang="en-US" smtClean="0"/>
-              <a:t>1/18/21</a:t>
+              <a:t>1/19/21</a:t>
             </a:fld>
             <a:endParaRPr lang="en-US"/>
           </a:p>
@@ -2924,7 +2923,7 @@
           <a:p>
             <a:fld id="{03B80F5F-71D3-DC4F-B1A5-29D48719CDC0}" type="datetimeFigureOut">
               <a:rPr lang="en-US" smtClean="0"/>
-              <a:t>1/18/21</a:t>
+              <a:t>1/19/21</a:t>
             </a:fld>
             <a:endParaRPr lang="en-US"/>
           </a:p>
@@ -3437,13 +3436,7 @@
       </p:grpSpPr>
       <p:sp>
         <p:nvSpPr>
-          <p:cNvPr id="2" name="Title 1">
-            <a:extLst>
-              <a:ext uri="{FF2B5EF4-FFF2-40B4-BE49-F238E27FC236}">
-                <a16:creationId xmlns:a16="http://schemas.microsoft.com/office/drawing/2014/main" id="{6587C913-7C3E-9A42-9370-FC2080271351}"/>
-              </a:ext>
-            </a:extLst>
-          </p:cNvPr>
+          <p:cNvPr id="2" name="Title 1"/>
           <p:cNvSpPr>
             <a:spLocks noGrp="1"/>
           </p:cNvSpPr>
@@ -3457,21 +3450,15 @@
           <a:lstStyle/>
           <a:p>
             <a:r>
-              <a:rPr lang="en-US" dirty="0"/>
-              <a:t>Results From 01/13/2021</a:t>
-            </a:r>
-          </a:p>
-        </p:txBody>
-      </p:sp>
-      <p:sp>
-        <p:nvSpPr>
-          <p:cNvPr id="3" name="Content Placeholder 2">
-            <a:extLst>
-              <a:ext uri="{FF2B5EF4-FFF2-40B4-BE49-F238E27FC236}">
-                <a16:creationId xmlns:a16="http://schemas.microsoft.com/office/drawing/2014/main" id="{C2BDA8E7-B2C2-1A41-BA9A-2DECB883E93B}"/>
-              </a:ext>
-            </a:extLst>
-          </p:cNvPr>
+              <a:rPr lang="en-CA" dirty="0"/>
+              <a:t>Results</a:t>
+            </a:r>
+          </a:p>
+        </p:txBody>
+      </p:sp>
+      <p:sp>
+        <p:nvSpPr>
+          <p:cNvPr id="3" name="Content Placeholder 2"/>
           <p:cNvSpPr>
             <a:spLocks noGrp="1"/>
           </p:cNvSpPr>
@@ -3481,69 +3468,27 @@
         </p:nvSpPr>
         <p:spPr/>
         <p:txBody>
-          <a:bodyPr/>
-          <a:lstStyle/>
-          <a:p>
-            <a:endParaRPr lang="en-US" dirty="0"/>
-          </a:p>
-          <a:p>
-            <a:r>
-              <a:rPr lang="en-US" dirty="0"/>
-              <a:t>Baseline Simulation Cases </a:t>
-            </a:r>
-            <a:r>
-              <a:rPr lang="en-US"/>
-              <a:t>– 653,874</a:t>
-            </a:r>
-            <a:br>
-              <a:rPr lang="en-US" dirty="0"/>
-            </a:br>
-            <a:endParaRPr lang="en-US" dirty="0"/>
-          </a:p>
-          <a:p>
-            <a:r>
-              <a:rPr lang="en-US" dirty="0"/>
-              <a:t>30% Compliance to masking cases –  346,454</a:t>
-            </a:r>
-            <a:br>
-              <a:rPr lang="en-US" dirty="0"/>
-            </a:br>
-            <a:endParaRPr lang="en-US" dirty="0"/>
-          </a:p>
-          <a:p>
-            <a:r>
-              <a:rPr lang="en-US" dirty="0"/>
-              <a:t>60% Compliance to masking cases – 325,088</a:t>
-            </a:r>
-            <a:br>
-              <a:rPr lang="en-US" dirty="0"/>
-            </a:br>
-            <a:endParaRPr lang="en-US" dirty="0"/>
-          </a:p>
-          <a:p>
-            <a:r>
-              <a:rPr lang="en-US" dirty="0"/>
-              <a:t>90% Compliance to masking cases – 244,244</a:t>
-            </a:r>
-          </a:p>
-          <a:p>
-            <a:endParaRPr lang="en-US" dirty="0"/>
-          </a:p>
-          <a:p>
-            <a:endParaRPr lang="en-US" dirty="0"/>
-          </a:p>
-          <a:p>
-            <a:endParaRPr lang="en-US" dirty="0"/>
-          </a:p>
-          <a:p>
-            <a:endParaRPr lang="en-US" dirty="0"/>
+          <a:bodyPr>
+            <a:normAutofit/>
+          </a:bodyPr>
+          <a:lstStyle/>
+          <a:p>
+            <a:r>
+              <a:rPr lang="en-CA" dirty="0"/>
+              <a:t>Below is a graph showing the R(t) number produced in COVASIM in a time series format against those new cases of COVID-19 produced in each </a:t>
+            </a:r>
+            <a:r>
+              <a:rPr lang="en-CA"/>
+              <a:t>COVASIM simulation</a:t>
+            </a:r>
+            <a:endParaRPr lang="en-CA" dirty="0"/>
           </a:p>
         </p:txBody>
       </p:sp>
     </p:spTree>
     <p:extLst>
       <p:ext uri="{BB962C8B-B14F-4D97-AF65-F5344CB8AC3E}">
-        <p14:creationId xmlns:p14="http://schemas.microsoft.com/office/powerpoint/2010/main" val="1650125708"/>
+        <p14:creationId xmlns:p14="http://schemas.microsoft.com/office/powerpoint/2010/main" val="3427935019"/>
       </p:ext>
     </p:extLst>
   </p:cSld>
@@ -3575,7 +3520,7 @@
           <p:cNvPr id="2" name="Title 1">
             <a:extLst>
               <a:ext uri="{FF2B5EF4-FFF2-40B4-BE49-F238E27FC236}">
-                <a16:creationId xmlns:a16="http://schemas.microsoft.com/office/drawing/2014/main" id="{396A5743-DFF9-D945-8D9D-E0A39EB0749D}"/>
+                <a16:creationId xmlns:a16="http://schemas.microsoft.com/office/drawing/2014/main" id="{6587C913-7C3E-9A42-9370-FC2080271351}"/>
               </a:ext>
             </a:extLst>
           </p:cNvPr>
@@ -3593,58 +3538,92 @@
           <a:p>
             <a:r>
               <a:rPr lang="en-US" dirty="0"/>
-              <a:t>Overlay of Rt calculated x Rt </a:t>
-            </a:r>
-            <a:r>
-              <a:rPr lang="en-US" dirty="0" err="1"/>
-              <a:t>covasim</a:t>
-            </a:r>
+              <a:t>Results From 01/13/2021</a:t>
+            </a:r>
+          </a:p>
+        </p:txBody>
+      </p:sp>
+      <p:sp>
+        <p:nvSpPr>
+          <p:cNvPr id="3" name="Content Placeholder 2">
+            <a:extLst>
+              <a:ext uri="{FF2B5EF4-FFF2-40B4-BE49-F238E27FC236}">
+                <a16:creationId xmlns:a16="http://schemas.microsoft.com/office/drawing/2014/main" id="{C2BDA8E7-B2C2-1A41-BA9A-2DECB883E93B}"/>
+              </a:ext>
+            </a:extLst>
+          </p:cNvPr>
+          <p:cNvSpPr>
+            <a:spLocks noGrp="1"/>
+          </p:cNvSpPr>
+          <p:nvPr>
+            <p:ph idx="1"/>
+          </p:nvPr>
+        </p:nvSpPr>
+        <p:spPr/>
+        <p:txBody>
+          <a:bodyPr/>
+          <a:lstStyle/>
+          <a:p>
+            <a:endParaRPr lang="en-US" dirty="0"/>
+          </a:p>
+          <a:p>
             <a:r>
               <a:rPr lang="en-US" dirty="0"/>
-              <a:t> </a:t>
+              <a:t>Baseline Simulation Cases </a:t>
+            </a:r>
+            <a:r>
+              <a:rPr lang="en-US"/>
+              <a:t>– 653,874</a:t>
             </a:r>
             <a:br>
               <a:rPr lang="en-US" dirty="0"/>
             </a:br>
-            <a:r>
-              <a:rPr lang="en-US" sz="2000" dirty="0"/>
-              <a:t>Baseline Simulation</a:t>
-            </a:r>
-          </a:p>
-        </p:txBody>
-      </p:sp>
-      <p:pic>
-        <p:nvPicPr>
-          <p:cNvPr id="5" name="Content Placeholder 4">
-            <a:extLst>
-              <a:ext uri="{FF2B5EF4-FFF2-40B4-BE49-F238E27FC236}">
-                <a16:creationId xmlns:a16="http://schemas.microsoft.com/office/drawing/2014/main" id="{DE0085D3-BAEA-214B-8189-C9B8A48896E8}"/>
-              </a:ext>
-            </a:extLst>
-          </p:cNvPr>
-          <p:cNvPicPr>
-            <a:picLocks noGrp="1" noChangeAspect="1"/>
-          </p:cNvPicPr>
-          <p:nvPr>
-            <p:ph idx="1"/>
-          </p:nvPr>
-        </p:nvPicPr>
-        <p:blipFill>
-          <a:blip r:embed="rId2"/>
-          <a:srcRect/>
-          <a:stretch/>
-        </p:blipFill>
-        <p:spPr>
-          <a:xfrm>
-            <a:off x="1581150" y="2030254"/>
-            <a:ext cx="6743700" cy="3873500"/>
-          </a:xfrm>
-        </p:spPr>
-      </p:pic>
+            <a:endParaRPr lang="en-US" dirty="0"/>
+          </a:p>
+          <a:p>
+            <a:r>
+              <a:rPr lang="en-US" dirty="0"/>
+              <a:t>30% Compliance to masking cases –  346,454</a:t>
+            </a:r>
+            <a:br>
+              <a:rPr lang="en-US" dirty="0"/>
+            </a:br>
+            <a:endParaRPr lang="en-US" dirty="0"/>
+          </a:p>
+          <a:p>
+            <a:r>
+              <a:rPr lang="en-US" dirty="0"/>
+              <a:t>60% Compliance to masking cases – 325,088</a:t>
+            </a:r>
+            <a:br>
+              <a:rPr lang="en-US" dirty="0"/>
+            </a:br>
+            <a:endParaRPr lang="en-US" dirty="0"/>
+          </a:p>
+          <a:p>
+            <a:r>
+              <a:rPr lang="en-US" dirty="0"/>
+              <a:t>90% Compliance to masking cases – 244,244</a:t>
+            </a:r>
+          </a:p>
+          <a:p>
+            <a:endParaRPr lang="en-US" dirty="0"/>
+          </a:p>
+          <a:p>
+            <a:endParaRPr lang="en-US" dirty="0"/>
+          </a:p>
+          <a:p>
+            <a:endParaRPr lang="en-US" dirty="0"/>
+          </a:p>
+          <a:p>
+            <a:endParaRPr lang="en-US" dirty="0"/>
+          </a:p>
+        </p:txBody>
+      </p:sp>
     </p:spTree>
     <p:extLst>
       <p:ext uri="{BB962C8B-B14F-4D97-AF65-F5344CB8AC3E}">
-        <p14:creationId xmlns:p14="http://schemas.microsoft.com/office/powerpoint/2010/main" val="3987059135"/>
+        <p14:creationId xmlns:p14="http://schemas.microsoft.com/office/powerpoint/2010/main" val="1650125708"/>
       </p:ext>
     </p:extLst>
   </p:cSld>
@@ -3694,6 +3673,107 @@
           <a:p>
             <a:r>
               <a:rPr lang="en-US" dirty="0"/>
+              <a:t>Overlay of Rt calculated x Rt </a:t>
+            </a:r>
+            <a:r>
+              <a:rPr lang="en-US" dirty="0" err="1"/>
+              <a:t>covasim</a:t>
+            </a:r>
+            <a:r>
+              <a:rPr lang="en-US" dirty="0"/>
+              <a:t> </a:t>
+            </a:r>
+            <a:br>
+              <a:rPr lang="en-US" dirty="0"/>
+            </a:br>
+            <a:r>
+              <a:rPr lang="en-US" sz="2000" dirty="0"/>
+              <a:t>Baseline Simulation</a:t>
+            </a:r>
+          </a:p>
+        </p:txBody>
+      </p:sp>
+      <p:pic>
+        <p:nvPicPr>
+          <p:cNvPr id="5" name="Content Placeholder 4">
+            <a:extLst>
+              <a:ext uri="{FF2B5EF4-FFF2-40B4-BE49-F238E27FC236}">
+                <a16:creationId xmlns:a16="http://schemas.microsoft.com/office/drawing/2014/main" id="{DE0085D3-BAEA-214B-8189-C9B8A48896E8}"/>
+              </a:ext>
+            </a:extLst>
+          </p:cNvPr>
+          <p:cNvPicPr>
+            <a:picLocks noGrp="1" noChangeAspect="1"/>
+          </p:cNvPicPr>
+          <p:nvPr>
+            <p:ph idx="1"/>
+          </p:nvPr>
+        </p:nvPicPr>
+        <p:blipFill>
+          <a:blip r:embed="rId2"/>
+          <a:srcRect/>
+          <a:stretch/>
+        </p:blipFill>
+        <p:spPr>
+          <a:xfrm>
+            <a:off x="1581150" y="2033895"/>
+            <a:ext cx="6743700" cy="3866218"/>
+          </a:xfrm>
+        </p:spPr>
+      </p:pic>
+    </p:spTree>
+    <p:extLst>
+      <p:ext uri="{BB962C8B-B14F-4D97-AF65-F5344CB8AC3E}">
+        <p14:creationId xmlns:p14="http://schemas.microsoft.com/office/powerpoint/2010/main" val="3987059135"/>
+      </p:ext>
+    </p:extLst>
+  </p:cSld>
+  <p:clrMapOvr>
+    <a:masterClrMapping/>
+  </p:clrMapOvr>
+</p:sld>
+</file>
+
+<file path=ppt/slides/slide13.xml><?xml version="1.0" encoding="utf-8"?>
+<p:sld xmlns:a="http://schemas.openxmlformats.org/drawingml/2006/main" xmlns:r="http://schemas.openxmlformats.org/officeDocument/2006/relationships" xmlns:p="http://schemas.openxmlformats.org/presentationml/2006/main">
+  <p:cSld>
+    <p:spTree>
+      <p:nvGrpSpPr>
+        <p:cNvPr id="1" name=""/>
+        <p:cNvGrpSpPr/>
+        <p:nvPr/>
+      </p:nvGrpSpPr>
+      <p:grpSpPr>
+        <a:xfrm>
+          <a:off x="0" y="0"/>
+          <a:ext cx="0" cy="0"/>
+          <a:chOff x="0" y="0"/>
+          <a:chExt cx="0" cy="0"/>
+        </a:xfrm>
+      </p:grpSpPr>
+      <p:sp>
+        <p:nvSpPr>
+          <p:cNvPr id="2" name="Title 1">
+            <a:extLst>
+              <a:ext uri="{FF2B5EF4-FFF2-40B4-BE49-F238E27FC236}">
+                <a16:creationId xmlns:a16="http://schemas.microsoft.com/office/drawing/2014/main" id="{396A5743-DFF9-D945-8D9D-E0A39EB0749D}"/>
+              </a:ext>
+            </a:extLst>
+          </p:cNvPr>
+          <p:cNvSpPr>
+            <a:spLocks noGrp="1"/>
+          </p:cNvSpPr>
+          <p:nvPr>
+            <p:ph type="title"/>
+          </p:nvPr>
+        </p:nvSpPr>
+        <p:spPr/>
+        <p:txBody>
+          <a:bodyPr/>
+          <a:lstStyle/>
+          <a:p>
+            <a:r>
+              <a:rPr lang="en-US" dirty="0"/>
               <a:t>Overlay of simulated cases </a:t>
             </a:r>
             <a:br>
@@ -3747,7 +3827,7 @@
 </p:sld>
 </file>
 
-<file path=ppt/slides/slide13.xml><?xml version="1.0" encoding="utf-8"?>
+<file path=ppt/slides/slide14.xml><?xml version="1.0" encoding="utf-8"?>
 <p:sld xmlns:a="http://schemas.openxmlformats.org/drawingml/2006/main" xmlns:r="http://schemas.openxmlformats.org/officeDocument/2006/relationships" xmlns:p="http://schemas.openxmlformats.org/presentationml/2006/main">
   <p:cSld>
     <p:spTree>
@@ -3848,7 +3928,7 @@
 </p:sld>
 </file>
 
-<file path=ppt/slides/slide14.xml><?xml version="1.0" encoding="utf-8"?>
+<file path=ppt/slides/slide15.xml><?xml version="1.0" encoding="utf-8"?>
 <p:sld xmlns:a="http://schemas.openxmlformats.org/drawingml/2006/main" xmlns:r="http://schemas.openxmlformats.org/officeDocument/2006/relationships" xmlns:p="http://schemas.openxmlformats.org/presentationml/2006/main">
   <p:cSld>
     <p:spTree>
@@ -3949,196 +4029,6 @@
 </p:sld>
 </file>
 
-<file path=ppt/slides/slide15.xml><?xml version="1.0" encoding="utf-8"?>
-<p:sld xmlns:a="http://schemas.openxmlformats.org/drawingml/2006/main" xmlns:r="http://schemas.openxmlformats.org/officeDocument/2006/relationships" xmlns:p="http://schemas.openxmlformats.org/presentationml/2006/main">
-  <p:cSld>
-    <p:spTree>
-      <p:nvGrpSpPr>
-        <p:cNvPr id="1" name=""/>
-        <p:cNvGrpSpPr/>
-        <p:nvPr/>
-      </p:nvGrpSpPr>
-      <p:grpSpPr>
-        <a:xfrm>
-          <a:off x="0" y="0"/>
-          <a:ext cx="0" cy="0"/>
-          <a:chOff x="0" y="0"/>
-          <a:chExt cx="0" cy="0"/>
-        </a:xfrm>
-      </p:grpSpPr>
-      <p:sp>
-        <p:nvSpPr>
-          <p:cNvPr id="2" name="Title 1">
-            <a:extLst>
-              <a:ext uri="{FF2B5EF4-FFF2-40B4-BE49-F238E27FC236}">
-                <a16:creationId xmlns:a16="http://schemas.microsoft.com/office/drawing/2014/main" id="{396A5743-DFF9-D945-8D9D-E0A39EB0749D}"/>
-              </a:ext>
-            </a:extLst>
-          </p:cNvPr>
-          <p:cNvSpPr>
-            <a:spLocks noGrp="1"/>
-          </p:cNvSpPr>
-          <p:nvPr>
-            <p:ph type="title"/>
-          </p:nvPr>
-        </p:nvSpPr>
-        <p:spPr/>
-        <p:txBody>
-          <a:bodyPr/>
-          <a:lstStyle/>
-          <a:p>
-            <a:r>
-              <a:rPr lang="en-US" dirty="0"/>
-              <a:t>Overlay of simulated cases </a:t>
-            </a:r>
-            <a:br>
-              <a:rPr lang="en-US"/>
-            </a:br>
-            <a:r>
-              <a:rPr lang="en-US" sz="2000"/>
-              <a:t>90% </a:t>
-            </a:r>
-            <a:r>
-              <a:rPr lang="en-US" sz="2000" dirty="0"/>
-              <a:t>Coverage Simulation</a:t>
-            </a:r>
-          </a:p>
-        </p:txBody>
-      </p:sp>
-      <p:pic>
-        <p:nvPicPr>
-          <p:cNvPr id="5" name="Content Placeholder 4">
-            <a:extLst>
-              <a:ext uri="{FF2B5EF4-FFF2-40B4-BE49-F238E27FC236}">
-                <a16:creationId xmlns:a16="http://schemas.microsoft.com/office/drawing/2014/main" id="{DE0085D3-BAEA-214B-8189-C9B8A48896E8}"/>
-              </a:ext>
-            </a:extLst>
-          </p:cNvPr>
-          <p:cNvPicPr>
-            <a:picLocks noGrp="1" noChangeAspect="1"/>
-          </p:cNvPicPr>
-          <p:nvPr>
-            <p:ph idx="1"/>
-          </p:nvPr>
-        </p:nvPicPr>
-        <p:blipFill>
-          <a:blip r:embed="rId2"/>
-          <a:srcRect/>
-          <a:stretch/>
-        </p:blipFill>
-        <p:spPr>
-          <a:xfrm>
-            <a:off x="1618867" y="2063586"/>
-            <a:ext cx="6668265" cy="3806836"/>
-          </a:xfrm>
-        </p:spPr>
-      </p:pic>
-    </p:spTree>
-    <p:extLst>
-      <p:ext uri="{BB962C8B-B14F-4D97-AF65-F5344CB8AC3E}">
-        <p14:creationId xmlns:p14="http://schemas.microsoft.com/office/powerpoint/2010/main" val="407857735"/>
-      </p:ext>
-    </p:extLst>
-  </p:cSld>
-  <p:clrMapOvr>
-    <a:masterClrMapping/>
-  </p:clrMapOvr>
-</p:sld>
-</file>
-
-<file path=ppt/slides/slide16.xml><?xml version="1.0" encoding="utf-8"?>
-<p:sld xmlns:a="http://schemas.openxmlformats.org/drawingml/2006/main" xmlns:r="http://schemas.openxmlformats.org/officeDocument/2006/relationships" xmlns:p="http://schemas.openxmlformats.org/presentationml/2006/main">
-  <p:cSld>
-    <p:spTree>
-      <p:nvGrpSpPr>
-        <p:cNvPr id="1" name=""/>
-        <p:cNvGrpSpPr/>
-        <p:nvPr/>
-      </p:nvGrpSpPr>
-      <p:grpSpPr>
-        <a:xfrm>
-          <a:off x="0" y="0"/>
-          <a:ext cx="0" cy="0"/>
-          <a:chOff x="0" y="0"/>
-          <a:chExt cx="0" cy="0"/>
-        </a:xfrm>
-      </p:grpSpPr>
-      <p:sp>
-        <p:nvSpPr>
-          <p:cNvPr id="2" name="Title 1"/>
-          <p:cNvSpPr>
-            <a:spLocks noGrp="1"/>
-          </p:cNvSpPr>
-          <p:nvPr>
-            <p:ph type="title"/>
-          </p:nvPr>
-        </p:nvSpPr>
-        <p:spPr/>
-        <p:txBody>
-          <a:bodyPr/>
-          <a:lstStyle/>
-          <a:p>
-            <a:r>
-              <a:rPr lang="en-CA" dirty="0"/>
-              <a:t>Results</a:t>
-            </a:r>
-          </a:p>
-        </p:txBody>
-      </p:sp>
-      <p:sp>
-        <p:nvSpPr>
-          <p:cNvPr id="3" name="Content Placeholder 2"/>
-          <p:cNvSpPr>
-            <a:spLocks noGrp="1"/>
-          </p:cNvSpPr>
-          <p:nvPr>
-            <p:ph idx="1"/>
-          </p:nvPr>
-        </p:nvSpPr>
-        <p:spPr/>
-        <p:txBody>
-          <a:bodyPr>
-            <a:normAutofit/>
-          </a:bodyPr>
-          <a:lstStyle/>
-          <a:p>
-            <a:r>
-              <a:rPr lang="en-CA" dirty="0"/>
-              <a:t>Below is a graph showing the current R(t) number produced in our program vs those produced in COVASIM</a:t>
-            </a:r>
-            <a:br>
-              <a:rPr lang="en-CA" dirty="0"/>
-            </a:br>
-            <a:endParaRPr lang="en-CA" dirty="0"/>
-          </a:p>
-          <a:p>
-            <a:r>
-              <a:rPr lang="en-CA" dirty="0"/>
-              <a:t>What we can see here is that there is very minor differences in the historical data possibly indicating signs that if schools remain open we face resulting our situation back to what we saw in prior months </a:t>
-            </a:r>
-            <a:br>
-              <a:rPr lang="en-CA" dirty="0"/>
-            </a:br>
-            <a:r>
-              <a:rPr lang="en-CA" dirty="0"/>
-              <a:t>May / June</a:t>
-            </a:r>
-          </a:p>
-        </p:txBody>
-      </p:sp>
-    </p:spTree>
-    <p:extLst>
-      <p:ext uri="{BB962C8B-B14F-4D97-AF65-F5344CB8AC3E}">
-        <p14:creationId xmlns:p14="http://schemas.microsoft.com/office/powerpoint/2010/main" val="3427935019"/>
-      </p:ext>
-    </p:extLst>
-  </p:cSld>
-  <p:clrMapOvr>
-    <a:masterClrMapping/>
-  </p:clrMapOvr>
-</p:sld>
-</file>
-
 <file path=ppt/slides/slide2.xml><?xml version="1.0" encoding="utf-8"?>
 <p:sld xmlns:a="http://schemas.openxmlformats.org/drawingml/2006/main" xmlns:r="http://schemas.openxmlformats.org/officeDocument/2006/relationships" xmlns:p="http://schemas.openxmlformats.org/presentationml/2006/main">
   <p:cSld>
@@ -4179,7 +4069,7 @@
           <a:p>
             <a:r>
               <a:rPr lang="en-US" dirty="0"/>
-              <a:t>COVASIM Parameters - Health </a:t>
+              <a:t>Types of COVASIM parameters - Health </a:t>
             </a:r>
           </a:p>
         </p:txBody>
@@ -4380,7 +4270,7 @@
           <a:p>
             <a:r>
               <a:rPr lang="en-US" dirty="0"/>
-              <a:t>COVASIM Parameters - Health </a:t>
+              <a:t>Types of COVASIM parameters - Health </a:t>
             </a:r>
           </a:p>
         </p:txBody>
@@ -4610,7 +4500,7 @@
             </a:r>
             <a:r>
               <a:rPr lang="en-CA" dirty="0"/>
-              <a:t> accounts for testing strategies via parameters that determine the probabilities with witch people with different symptoms receive a test each day</a:t>
+              <a:t> accounts for testing strategies via parameters that determine the probabilities with which people with different symptoms receive a test each day</a:t>
             </a:r>
           </a:p>
           <a:p>
@@ -4677,7 +4567,7 @@
           <a:p>
             <a:r>
               <a:rPr lang="en-CA" dirty="0"/>
-              <a:t>Known(s) / Assumptions</a:t>
+              <a:t>Known(s) / Assumptions </a:t>
             </a:r>
           </a:p>
         </p:txBody>
@@ -4695,7 +4585,7 @@
         <p:spPr/>
         <p:txBody>
           <a:bodyPr>
-            <a:normAutofit fontScale="85000" lnSpcReduction="20000"/>
+            <a:normAutofit fontScale="92500" lnSpcReduction="20000"/>
           </a:bodyPr>
           <a:lstStyle/>
           <a:p>
@@ -4836,21 +4726,14 @@
           <a:p>
             <a:r>
               <a:rPr lang="en-CA" dirty="0"/>
-              <a:t>From A Simulation was based upon the following parameters</a:t>
+              <a:t>A Simulation was based upon the following parameters</a:t>
             </a:r>
           </a:p>
           <a:p>
             <a:pPr lvl="1"/>
             <a:r>
               <a:rPr lang="en-CA" dirty="0"/>
-              <a:t>Begin with an infected population of 1,500</a:t>
-            </a:r>
-            <a:br>
-              <a:rPr lang="en-CA" dirty="0"/>
-            </a:br>
-            <a:r>
-              <a:rPr lang="en-CA" dirty="0"/>
-              <a:t> </a:t>
+              <a:t>Initial infected population of 1,500</a:t>
             </a:r>
           </a:p>
           <a:p>
@@ -5157,15 +5040,15 @@
           <a:p>
             <a:r>
               <a:rPr lang="en-US" dirty="0"/>
-              <a:t>From Emily’s study we can conclude that contact tracing levels where </a:t>
+              <a:t>From our study on contact tracing we can conclude that tracing levels where </a:t>
             </a:r>
             <a:r>
               <a:rPr lang="en-US" dirty="0" err="1"/>
-              <a:t>aprox</a:t>
+              <a:t>approxomitly</a:t>
             </a:r>
             <a:r>
               <a:rPr lang="en-US" dirty="0"/>
-              <a:t> around these values from Jun-Dec</a:t>
+              <a:t> around these values from Jun 2020 – Dec 2020</a:t>
             </a:r>
             <a:br>
               <a:rPr lang="en-US" dirty="0"/>
